--- a/Webアプリケーション構成.pptx
+++ b/Webアプリケーション構成.pptx
@@ -5,14 +5,15 @@
     <p:sldMasterId id="2147484356" r:id="rId1"/>
   </p:sldMasterIdLst>
   <p:notesMasterIdLst>
-    <p:notesMasterId r:id="rId7"/>
+    <p:notesMasterId r:id="rId8"/>
   </p:notesMasterIdLst>
   <p:sldIdLst>
     <p:sldId id="256" r:id="rId2"/>
     <p:sldId id="258" r:id="rId3"/>
     <p:sldId id="259" r:id="rId4"/>
-    <p:sldId id="263" r:id="rId5"/>
+    <p:sldId id="264" r:id="rId5"/>
     <p:sldId id="260" r:id="rId6"/>
+    <p:sldId id="265" r:id="rId7"/>
   </p:sldIdLst>
   <p:sldSz cx="9144000" cy="6858000" type="screen4x3"/>
   <p:notesSz cx="6807200" cy="9939338"/>
@@ -196,7 +197,7 @@
           <a:p>
             <a:fld id="{5E446893-8822-4FA2-A2B8-91473AE42B8F}" type="datetimeFigureOut">
               <a:rPr kumimoji="1" lang="ja-JP" altLang="en-US" smtClean="0"/>
-              <a:t>2016/6/17</a:t>
+              <a:t>2016/6/20</a:t>
             </a:fld>
             <a:endParaRPr kumimoji="1" lang="ja-JP" altLang="en-US"/>
           </a:p>
@@ -1121,7 +1122,7 @@
           <a:p>
             <a:fld id="{950BD83A-35B7-42CA-89A5-E0C5F89E23EE}" type="datetime1">
               <a:rPr kumimoji="1" lang="ja-JP" altLang="en-US" smtClean="0"/>
-              <a:t>2016/6/17</a:t>
+              <a:t>2016/6/20</a:t>
             </a:fld>
             <a:endParaRPr kumimoji="1" lang="ja-JP" altLang="en-US"/>
           </a:p>
@@ -1349,7 +1350,7 @@
           <a:p>
             <a:fld id="{862C5B0E-001B-4217-8BB9-635E5F210DE4}" type="datetime1">
               <a:rPr kumimoji="1" lang="ja-JP" altLang="en-US" smtClean="0"/>
-              <a:t>2016/6/17</a:t>
+              <a:t>2016/6/20</a:t>
             </a:fld>
             <a:endParaRPr kumimoji="1" lang="ja-JP" altLang="en-US"/>
           </a:p>
@@ -1566,7 +1567,7 @@
           <a:p>
             <a:fld id="{DD75ADB5-9CF9-41E6-8213-3D6AE49BF022}" type="datetime1">
               <a:rPr kumimoji="1" lang="ja-JP" altLang="en-US" smtClean="0"/>
-              <a:t>2016/6/17</a:t>
+              <a:t>2016/6/20</a:t>
             </a:fld>
             <a:endParaRPr kumimoji="1" lang="ja-JP" altLang="en-US"/>
           </a:p>
@@ -1748,7 +1749,7 @@
           <a:p>
             <a:fld id="{738060B5-E7A6-47D8-94B1-46A1CDA697DE}" type="datetime1">
               <a:rPr kumimoji="1" lang="ja-JP" altLang="en-US" smtClean="0"/>
-              <a:t>2016/6/17</a:t>
+              <a:t>2016/6/20</a:t>
             </a:fld>
             <a:endParaRPr kumimoji="1" lang="ja-JP" altLang="en-US"/>
           </a:p>
@@ -2003,7 +2004,7 @@
           <a:p>
             <a:fld id="{4F2EFE2B-4E6B-4579-94A9-7B5FE5DD6DAD}" type="datetime1">
               <a:rPr kumimoji="1" lang="ja-JP" altLang="en-US" smtClean="0"/>
-              <a:t>2016/6/17</a:t>
+              <a:t>2016/6/20</a:t>
             </a:fld>
             <a:endParaRPr kumimoji="1" lang="ja-JP" altLang="en-US"/>
           </a:p>
@@ -2476,7 +2477,7 @@
           <a:p>
             <a:fld id="{81EE79A5-7A8D-4F9A-9CD5-A2BB2871BD09}" type="datetime1">
               <a:rPr kumimoji="1" lang="ja-JP" altLang="en-US" smtClean="0"/>
-              <a:t>2016/6/17</a:t>
+              <a:t>2016/6/20</a:t>
             </a:fld>
             <a:endParaRPr kumimoji="1" lang="ja-JP" altLang="en-US"/>
           </a:p>
@@ -2986,7 +2987,7 @@
           <a:p>
             <a:fld id="{72FC9A27-03C8-453D-9CB4-3D8E10128EF9}" type="datetime1">
               <a:rPr kumimoji="1" lang="ja-JP" altLang="en-US" smtClean="0"/>
-              <a:t>2016/6/17</a:t>
+              <a:t>2016/6/20</a:t>
             </a:fld>
             <a:endParaRPr kumimoji="1" lang="ja-JP" altLang="en-US"/>
           </a:p>
@@ -3087,7 +3088,7 @@
           <a:p>
             <a:fld id="{3F87B9CE-B1FD-4CB7-8483-CFED1DBB1D40}" type="datetime1">
               <a:rPr kumimoji="1" lang="ja-JP" altLang="en-US" smtClean="0"/>
-              <a:t>2016/6/17</a:t>
+              <a:t>2016/6/20</a:t>
             </a:fld>
             <a:endParaRPr kumimoji="1" lang="ja-JP" altLang="en-US"/>
           </a:p>
@@ -3208,7 +3209,7 @@
           <a:p>
             <a:fld id="{576AD7DC-4358-463A-A9C8-3203D8C2E204}" type="datetime1">
               <a:rPr kumimoji="1" lang="ja-JP" altLang="en-US" smtClean="0"/>
-              <a:t>2016/6/17</a:t>
+              <a:t>2016/6/20</a:t>
             </a:fld>
             <a:endParaRPr kumimoji="1" lang="ja-JP" altLang="en-US"/>
           </a:p>
@@ -3514,7 +3515,7 @@
           <a:p>
             <a:fld id="{6AAC8798-03BD-44DD-A79B-5936AE5684BB}" type="datetime1">
               <a:rPr kumimoji="1" lang="ja-JP" altLang="en-US" smtClean="0"/>
-              <a:t>2016/6/17</a:t>
+              <a:t>2016/6/20</a:t>
             </a:fld>
             <a:endParaRPr kumimoji="1" lang="ja-JP" altLang="en-US"/>
           </a:p>
@@ -3719,7 +3720,7 @@
           <a:p>
             <a:fld id="{46B087EE-5E25-4766-8E24-F7D841D6A0E4}" type="datetime1">
               <a:rPr kumimoji="1" lang="ja-JP" altLang="en-US" smtClean="0"/>
-              <a:t>2016/6/17</a:t>
+              <a:t>2016/6/20</a:t>
             </a:fld>
             <a:endParaRPr kumimoji="1" lang="ja-JP" altLang="en-US"/>
           </a:p>
@@ -4860,7 +4861,7 @@
           <a:p>
             <a:fld id="{BFC4DFBA-F188-430A-B10F-E6DE8D9ABF69}" type="datetime1">
               <a:rPr kumimoji="1" lang="ja-JP" altLang="en-US" smtClean="0"/>
-              <a:t>2016/6/17</a:t>
+              <a:t>2016/6/20</a:t>
             </a:fld>
             <a:endParaRPr kumimoji="1" lang="ja-JP" altLang="en-US"/>
           </a:p>
@@ -5455,7 +5456,11 @@
             <a:pPr lvl="3"/>
             <a:r>
               <a:rPr lang="en-US" altLang="ja-JP" dirty="0"/>
-              <a:t>Oracle or </a:t>
+              <a:t>MySQL </a:t>
+            </a:r>
+            <a:r>
+              <a:rPr lang="en-US" altLang="ja-JP" dirty="0" smtClean="0"/>
+              <a:t>or </a:t>
             </a:r>
             <a:r>
               <a:rPr lang="en-US" altLang="ja-JP" dirty="0" err="1"/>
@@ -5463,12 +5468,13 @@
             </a:r>
             <a:r>
               <a:rPr lang="en-US" altLang="ja-JP" dirty="0"/>
-              <a:t> or </a:t>
+              <a:t> </a:t>
             </a:r>
             <a:r>
               <a:rPr lang="en-US" altLang="ja-JP" dirty="0" smtClean="0"/>
-              <a:t>MySQL</a:t>
-            </a:r>
+              <a:t> or Oracle</a:t>
+            </a:r>
+            <a:endParaRPr lang="en-US" altLang="ja-JP" dirty="0" smtClean="0"/>
           </a:p>
         </p:txBody>
       </p:sp>
@@ -5617,8 +5623,13 @@
             <a:pPr lvl="3"/>
             <a:r>
               <a:rPr lang="en-US" altLang="ja-JP" dirty="0" smtClean="0"/>
-              <a:t>Spring Framework</a:t>
-            </a:r>
+              <a:t>Spring </a:t>
+            </a:r>
+            <a:r>
+              <a:rPr lang="en-US" altLang="ja-JP" dirty="0" smtClean="0"/>
+              <a:t>Framework(Spring Boot)</a:t>
+            </a:r>
+            <a:endParaRPr lang="en-US" altLang="ja-JP" dirty="0" smtClean="0"/>
           </a:p>
           <a:p>
             <a:pPr lvl="2"/>
@@ -5643,37 +5654,10 @@
               <a:t>or </a:t>
             </a:r>
             <a:r>
-              <a:rPr lang="en-US" altLang="ja-JP" dirty="0" err="1"/>
+              <a:rPr lang="en-US" altLang="ja-JP" dirty="0" err="1" smtClean="0"/>
               <a:t>MyBatis</a:t>
             </a:r>
             <a:endParaRPr lang="en-US" altLang="ja-JP" dirty="0"/>
-          </a:p>
-          <a:p>
-            <a:pPr lvl="2"/>
-            <a:r>
-              <a:rPr lang="ja-JP" altLang="en-US" dirty="0" smtClean="0"/>
-              <a:t>ログ出力</a:t>
-            </a:r>
-            <a:endParaRPr lang="en-US" altLang="ja-JP" dirty="0" smtClean="0"/>
-          </a:p>
-          <a:p>
-            <a:pPr lvl="3"/>
-            <a:r>
-              <a:rPr lang="en-US" altLang="ja-JP" dirty="0" err="1" smtClean="0"/>
-              <a:t>Logback</a:t>
-            </a:r>
-            <a:r>
-              <a:rPr lang="en-US" altLang="ja-JP" dirty="0" smtClean="0"/>
-              <a:t> </a:t>
-            </a:r>
-            <a:r>
-              <a:rPr lang="en-US" altLang="ja-JP" dirty="0"/>
-              <a:t>+ </a:t>
-            </a:r>
-            <a:r>
-              <a:rPr lang="en-US" altLang="ja-JP" dirty="0" smtClean="0"/>
-              <a:t>SLF4J</a:t>
-            </a:r>
           </a:p>
         </p:txBody>
       </p:sp>
@@ -5819,12 +5803,51 @@
             <a:pPr lvl="1"/>
             <a:r>
               <a:rPr lang="ja-JP" altLang="en-US" dirty="0" smtClean="0"/>
-              <a:t>フレームワーク＋テンプレートエンジン</a:t>
+              <a:t>フレームワーク</a:t>
             </a:r>
             <a:endParaRPr lang="en-US" altLang="ja-JP" dirty="0" smtClean="0"/>
           </a:p>
           <a:p>
             <a:pPr lvl="2"/>
+            <a:r>
+              <a:rPr lang="en-US" altLang="ja-JP" dirty="0" err="1" smtClean="0"/>
+              <a:t>Javascript</a:t>
+            </a:r>
+            <a:endParaRPr lang="en-US" altLang="ja-JP" dirty="0" smtClean="0"/>
+          </a:p>
+          <a:p>
+            <a:pPr lvl="3"/>
+            <a:r>
+              <a:rPr lang="en-US" altLang="ja-JP" dirty="0" smtClean="0"/>
+              <a:t>JQuery</a:t>
+            </a:r>
+            <a:endParaRPr lang="en-US" altLang="ja-JP" dirty="0"/>
+          </a:p>
+          <a:p>
+            <a:pPr lvl="2"/>
+            <a:r>
+              <a:rPr lang="en-US" altLang="ja-JP" dirty="0" smtClean="0"/>
+              <a:t>CSS</a:t>
+            </a:r>
+          </a:p>
+          <a:p>
+            <a:pPr lvl="3"/>
+            <a:r>
+              <a:rPr lang="en-US" altLang="ja-JP" dirty="0" smtClean="0"/>
+              <a:t>Bootstrap</a:t>
+            </a:r>
+            <a:endParaRPr lang="en-US" altLang="ja-JP" dirty="0"/>
+          </a:p>
+          <a:p>
+            <a:pPr lvl="2"/>
+            <a:r>
+              <a:rPr lang="ja-JP" altLang="en-US" dirty="0" smtClean="0"/>
+              <a:t>テンプレートエンジン</a:t>
+            </a:r>
+            <a:endParaRPr lang="en-US" altLang="ja-JP" dirty="0" smtClean="0"/>
+          </a:p>
+          <a:p>
+            <a:pPr lvl="3"/>
             <a:r>
               <a:rPr lang="en-US" altLang="ja-JP" dirty="0" err="1"/>
               <a:t>Thymeleaf</a:t>
@@ -5837,58 +5860,7 @@
               <a:rPr lang="en-US" altLang="ja-JP" dirty="0" smtClean="0"/>
               <a:t>JSP</a:t>
             </a:r>
-          </a:p>
-          <a:p>
-            <a:pPr lvl="2"/>
-            <a:r>
-              <a:rPr lang="en-US" altLang="ja-JP" dirty="0" smtClean="0"/>
-              <a:t>JQuery</a:t>
-            </a:r>
-          </a:p>
-          <a:p>
-            <a:pPr lvl="2"/>
-            <a:r>
-              <a:rPr lang="en-US" altLang="ja-JP" dirty="0" smtClean="0"/>
-              <a:t>Bootstrap</a:t>
-            </a:r>
-          </a:p>
-          <a:p>
             <a:endParaRPr lang="en-US" altLang="ja-JP" dirty="0" smtClean="0"/>
-          </a:p>
-          <a:p>
-            <a:r>
-              <a:rPr lang="ja-JP" altLang="en-US" dirty="0" smtClean="0"/>
-              <a:t>開発補助ツール</a:t>
-            </a:r>
-            <a:endParaRPr lang="en-US" altLang="ja-JP" dirty="0" smtClean="0"/>
-          </a:p>
-          <a:p>
-            <a:pPr lvl="1"/>
-            <a:r>
-              <a:rPr lang="ja-JP" altLang="en-US" dirty="0" smtClean="0"/>
-              <a:t>テスト自動化</a:t>
-            </a:r>
-            <a:endParaRPr lang="en-US" altLang="ja-JP" dirty="0"/>
-          </a:p>
-          <a:p>
-            <a:pPr lvl="2"/>
-            <a:r>
-              <a:rPr lang="en-US" altLang="ja-JP" dirty="0" err="1" smtClean="0"/>
-              <a:t>JUnit</a:t>
-            </a:r>
-            <a:r>
-              <a:rPr lang="en-US" altLang="ja-JP" dirty="0" smtClean="0"/>
-              <a:t> </a:t>
-            </a:r>
-            <a:r>
-              <a:rPr lang="en-US" altLang="ja-JP" dirty="0"/>
-              <a:t>+ </a:t>
-            </a:r>
-            <a:r>
-              <a:rPr lang="en-US" altLang="ja-JP" dirty="0" smtClean="0"/>
-              <a:t>Selenium</a:t>
-            </a:r>
-            <a:endParaRPr lang="en-US" altLang="ja-JP" dirty="0"/>
           </a:p>
         </p:txBody>
       </p:sp>
@@ -5945,7 +5917,7 @@
     </p:spTree>
     <p:extLst>
       <p:ext uri="{BB962C8B-B14F-4D97-AF65-F5344CB8AC3E}">
-        <p14:creationId xmlns:p14="http://schemas.microsoft.com/office/powerpoint/2010/main" val="2834451051"/>
+        <p14:creationId xmlns:p14="http://schemas.microsoft.com/office/powerpoint/2010/main" val="4242575136"/>
       </p:ext>
     </p:extLst>
   </p:cSld>
@@ -5992,85 +5964,58 @@
         <p:spPr/>
         <p:txBody>
           <a:bodyPr>
-            <a:normAutofit lnSpcReduction="10000"/>
+            <a:normAutofit/>
           </a:bodyPr>
           <a:lstStyle/>
           <a:p>
             <a:r>
-              <a:rPr lang="ja-JP" altLang="en-US" dirty="0" smtClean="0"/>
-              <a:t>統合</a:t>
-            </a:r>
-            <a:r>
               <a:rPr lang="ja-JP" altLang="en-US" dirty="0"/>
-              <a:t>開発環境</a:t>
+              <a:t>開発補助ツール</a:t>
             </a:r>
             <a:endParaRPr lang="en-US" altLang="ja-JP" dirty="0"/>
           </a:p>
           <a:p>
             <a:pPr lvl="1"/>
             <a:r>
+              <a:rPr lang="ja-JP" altLang="en-US" dirty="0"/>
+              <a:t>テスト自動化</a:t>
+            </a:r>
+            <a:endParaRPr lang="en-US" altLang="ja-JP" dirty="0"/>
+          </a:p>
+          <a:p>
+            <a:pPr lvl="2"/>
+            <a:r>
               <a:rPr lang="en-US" altLang="ja-JP" dirty="0"/>
-              <a:t>Spring Tool Suite</a:t>
-            </a:r>
+              <a:t>JUnit + </a:t>
+            </a:r>
+            <a:r>
+              <a:rPr lang="en-US" altLang="ja-JP" dirty="0" smtClean="0"/>
+              <a:t>Selenium</a:t>
+            </a:r>
+            <a:endParaRPr lang="en-US" altLang="ja-JP" dirty="0" smtClean="0"/>
+          </a:p>
+          <a:p>
+            <a:pPr lvl="1"/>
             <a:r>
               <a:rPr lang="ja-JP" altLang="en-US" dirty="0"/>
-              <a:t>（</a:t>
+              <a:t>ビルドツール</a:t>
+            </a:r>
+            <a:endParaRPr lang="en-US" altLang="ja-JP" dirty="0"/>
+          </a:p>
+          <a:p>
+            <a:pPr lvl="2"/>
+            <a:r>
+              <a:rPr lang="en-US" altLang="ja-JP" dirty="0" err="1"/>
+              <a:t>Gradle</a:t>
+            </a:r>
+            <a:r>
+              <a:rPr lang="ja-JP" altLang="en-US" dirty="0"/>
+              <a:t> </a:t>
             </a:r>
             <a:r>
               <a:rPr lang="en-US" altLang="ja-JP" dirty="0"/>
-              <a:t>eclipse</a:t>
-            </a:r>
-            <a:r>
-              <a:rPr lang="ja-JP" altLang="en-US" dirty="0"/>
-              <a:t>ベース</a:t>
-            </a:r>
-            <a:r>
-              <a:rPr lang="ja-JP" altLang="en-US" dirty="0" smtClean="0"/>
-              <a:t>）</a:t>
-            </a:r>
-            <a:endParaRPr lang="en-US" altLang="ja-JP" dirty="0" smtClean="0"/>
-          </a:p>
-          <a:p>
-            <a:endParaRPr lang="en-US" altLang="ja-JP" dirty="0" smtClean="0"/>
-          </a:p>
-          <a:p>
-            <a:r>
-              <a:rPr lang="ja-JP" altLang="en-US" dirty="0" smtClean="0"/>
-              <a:t>管理ツール</a:t>
-            </a:r>
-            <a:endParaRPr lang="en-US" altLang="ja-JP" dirty="0" smtClean="0"/>
-          </a:p>
-          <a:p>
-            <a:pPr lvl="1"/>
-            <a:r>
-              <a:rPr lang="ja-JP" altLang="en-US" dirty="0" smtClean="0"/>
-              <a:t>プロジェクト</a:t>
-            </a:r>
-            <a:r>
-              <a:rPr lang="ja-JP" altLang="en-US" dirty="0"/>
-              <a:t>管理</a:t>
-            </a:r>
-            <a:endParaRPr lang="en-US" altLang="ja-JP" dirty="0"/>
-          </a:p>
-          <a:p>
-            <a:pPr lvl="2"/>
-            <a:r>
-              <a:rPr lang="en-US" altLang="ja-JP" dirty="0" err="1" smtClean="0"/>
-              <a:t>ALMinium</a:t>
-            </a:r>
-            <a:r>
-              <a:rPr lang="ja-JP" altLang="en-US" dirty="0" smtClean="0"/>
-              <a:t>（</a:t>
-            </a:r>
-            <a:r>
-              <a:rPr lang="en-US" altLang="ja-JP" dirty="0" err="1" smtClean="0"/>
-              <a:t>Redmine</a:t>
-            </a:r>
-            <a:r>
-              <a:rPr lang="ja-JP" altLang="en-US" dirty="0" smtClean="0"/>
-              <a:t>ベース）</a:t>
-            </a:r>
-            <a:endParaRPr lang="ja-JP" altLang="en-US" dirty="0"/>
+              <a:t>or Maven</a:t>
+            </a:r>
           </a:p>
           <a:p>
             <a:pPr lvl="1"/>
@@ -6083,50 +6028,22 @@
           <a:p>
             <a:pPr lvl="2"/>
             <a:r>
-              <a:rPr lang="en-US" altLang="ja-JP" dirty="0" err="1" smtClean="0"/>
+              <a:rPr lang="en-US" altLang="ja-JP" dirty="0" err="1"/>
               <a:t>Git</a:t>
             </a:r>
             <a:r>
-              <a:rPr lang="en-US" altLang="ja-JP" dirty="0" smtClean="0"/>
+              <a:rPr lang="en-US" altLang="ja-JP" dirty="0"/>
               <a:t> or SVN</a:t>
             </a:r>
-            <a:endParaRPr lang="en-US" altLang="ja-JP" dirty="0"/>
           </a:p>
           <a:p>
             <a:pPr lvl="1"/>
             <a:r>
+              <a:rPr lang="en-US" altLang="ja-JP" dirty="0"/>
+              <a:t>CI</a:t>
+            </a:r>
+            <a:r>
               <a:rPr lang="ja-JP" altLang="en-US" dirty="0"/>
-              <a:t>ビルドツール</a:t>
-            </a:r>
-            <a:endParaRPr lang="en-US" altLang="ja-JP" dirty="0"/>
-          </a:p>
-          <a:p>
-            <a:pPr lvl="2"/>
-            <a:r>
-              <a:rPr lang="en-US" altLang="ja-JP" dirty="0" err="1"/>
-              <a:t>Gradle</a:t>
-            </a:r>
-            <a:r>
-              <a:rPr lang="ja-JP" altLang="en-US" dirty="0"/>
-              <a:t> </a:t>
-            </a:r>
-            <a:r>
-              <a:rPr lang="en-US" altLang="ja-JP" dirty="0"/>
-              <a:t>or </a:t>
-            </a:r>
-            <a:r>
-              <a:rPr lang="en-US" altLang="ja-JP" dirty="0" smtClean="0"/>
-              <a:t>Maven</a:t>
-            </a:r>
-          </a:p>
-          <a:p>
-            <a:pPr lvl="1"/>
-            <a:r>
-              <a:rPr lang="en-US" altLang="ja-JP" dirty="0" smtClean="0"/>
-              <a:t>CI</a:t>
-            </a:r>
-            <a:r>
-              <a:rPr lang="ja-JP" altLang="en-US" dirty="0" smtClean="0"/>
               <a:t>ツール</a:t>
             </a:r>
             <a:endParaRPr lang="en-US" altLang="ja-JP" dirty="0"/>
@@ -6195,6 +6112,181 @@
     <p:extLst>
       <p:ext uri="{BB962C8B-B14F-4D97-AF65-F5344CB8AC3E}">
         <p14:creationId xmlns:p14="http://schemas.microsoft.com/office/powerpoint/2010/main" val="4253387877"/>
+      </p:ext>
+    </p:extLst>
+  </p:cSld>
+  <p:clrMapOvr>
+    <a:masterClrMapping/>
+  </p:clrMapOvr>
+  <p:timing>
+    <p:tnLst>
+      <p:par>
+        <p:cTn id="1" dur="indefinite" restart="never" nodeType="tmRoot"/>
+      </p:par>
+    </p:tnLst>
+  </p:timing>
+</p:sld>
+</file>
+
+<file path=ppt/slides/slide6.xml><?xml version="1.0" encoding="utf-8"?>
+<p:sld xmlns:a="http://schemas.openxmlformats.org/drawingml/2006/main" xmlns:r="http://schemas.openxmlformats.org/officeDocument/2006/relationships" xmlns:p="http://schemas.openxmlformats.org/presentationml/2006/main">
+  <p:cSld>
+    <p:spTree>
+      <p:nvGrpSpPr>
+        <p:cNvPr id="1" name=""/>
+        <p:cNvGrpSpPr/>
+        <p:nvPr/>
+      </p:nvGrpSpPr>
+      <p:grpSpPr>
+        <a:xfrm>
+          <a:off x="0" y="0"/>
+          <a:ext cx="0" cy="0"/>
+          <a:chOff x="0" y="0"/>
+          <a:chExt cx="0" cy="0"/>
+        </a:xfrm>
+      </p:grpSpPr>
+      <p:sp>
+        <p:nvSpPr>
+          <p:cNvPr id="3" name="コンテンツ プレースホルダー 2"/>
+          <p:cNvSpPr>
+            <a:spLocks noGrp="1"/>
+          </p:cNvSpPr>
+          <p:nvPr>
+            <p:ph idx="1"/>
+          </p:nvPr>
+        </p:nvSpPr>
+        <p:spPr/>
+        <p:txBody>
+          <a:bodyPr>
+            <a:normAutofit/>
+          </a:bodyPr>
+          <a:lstStyle/>
+          <a:p>
+            <a:r>
+              <a:rPr lang="ja-JP" altLang="en-US" dirty="0"/>
+              <a:t>統合開発環境</a:t>
+            </a:r>
+            <a:endParaRPr lang="en-US" altLang="ja-JP" dirty="0"/>
+          </a:p>
+          <a:p>
+            <a:pPr lvl="1"/>
+            <a:r>
+              <a:rPr lang="en-US" altLang="ja-JP" dirty="0"/>
+              <a:t>Spring Tool Suite</a:t>
+            </a:r>
+            <a:r>
+              <a:rPr lang="ja-JP" altLang="en-US" dirty="0"/>
+              <a:t>（</a:t>
+            </a:r>
+            <a:r>
+              <a:rPr lang="en-US" altLang="ja-JP" dirty="0"/>
+              <a:t>eclipse</a:t>
+            </a:r>
+            <a:r>
+              <a:rPr lang="ja-JP" altLang="en-US" dirty="0"/>
+              <a:t>ベース）</a:t>
+            </a:r>
+            <a:endParaRPr lang="en-US" altLang="ja-JP" dirty="0"/>
+          </a:p>
+          <a:p>
+            <a:pPr lvl="1"/>
+            <a:endParaRPr lang="en-US" altLang="ja-JP" dirty="0" smtClean="0"/>
+          </a:p>
+          <a:p>
+            <a:r>
+              <a:rPr lang="ja-JP" altLang="en-US" dirty="0" smtClean="0"/>
+              <a:t>管理</a:t>
+            </a:r>
+            <a:r>
+              <a:rPr lang="ja-JP" altLang="en-US" dirty="0"/>
+              <a:t>ツール</a:t>
+            </a:r>
+          </a:p>
+          <a:p>
+            <a:pPr lvl="1"/>
+            <a:r>
+              <a:rPr lang="ja-JP" altLang="en-US" dirty="0"/>
+              <a:t>プロジェクト管理</a:t>
+            </a:r>
+          </a:p>
+          <a:p>
+            <a:pPr lvl="1"/>
+            <a:r>
+              <a:rPr lang="en-US" altLang="ja-JP" dirty="0" err="1"/>
+              <a:t>ALMinium</a:t>
+            </a:r>
+            <a:r>
+              <a:rPr lang="ja-JP" altLang="en-US" dirty="0"/>
+              <a:t>（</a:t>
+            </a:r>
+            <a:r>
+              <a:rPr lang="en-US" altLang="ja-JP" dirty="0" err="1"/>
+              <a:t>Redmine</a:t>
+            </a:r>
+            <a:r>
+              <a:rPr lang="ja-JP" altLang="en-US" dirty="0"/>
+              <a:t>ベース）</a:t>
+            </a:r>
+          </a:p>
+          <a:p>
+            <a:endParaRPr lang="en-US" altLang="ja-JP" dirty="0" smtClean="0"/>
+          </a:p>
+        </p:txBody>
+      </p:sp>
+      <p:sp>
+        <p:nvSpPr>
+          <p:cNvPr id="4" name="スライド番号プレースホルダー 3"/>
+          <p:cNvSpPr>
+            <a:spLocks noGrp="1"/>
+          </p:cNvSpPr>
+          <p:nvPr>
+            <p:ph type="sldNum" sz="quarter" idx="12"/>
+          </p:nvPr>
+        </p:nvSpPr>
+        <p:spPr/>
+        <p:txBody>
+          <a:bodyPr/>
+          <a:lstStyle/>
+          <a:p>
+            <a:fld id="{8E5DB6CD-4B75-4B51-94FC-83DA607B11D5}" type="slidenum">
+              <a:rPr kumimoji="1" lang="ja-JP" altLang="en-US" smtClean="0"/>
+              <a:t>6</a:t>
+            </a:fld>
+            <a:endParaRPr kumimoji="1" lang="ja-JP" altLang="en-US"/>
+          </a:p>
+        </p:txBody>
+      </p:sp>
+      <p:sp>
+        <p:nvSpPr>
+          <p:cNvPr id="2" name="タイトル 1"/>
+          <p:cNvSpPr>
+            <a:spLocks noGrp="1"/>
+          </p:cNvSpPr>
+          <p:nvPr>
+            <p:ph type="title"/>
+          </p:nvPr>
+        </p:nvSpPr>
+        <p:spPr/>
+        <p:txBody>
+          <a:bodyPr/>
+          <a:lstStyle/>
+          <a:p>
+            <a:r>
+              <a:rPr kumimoji="1" lang="en-US" altLang="ja-JP" dirty="0" smtClean="0"/>
+              <a:t>Web</a:t>
+            </a:r>
+            <a:r>
+              <a:rPr kumimoji="1" lang="ja-JP" altLang="en-US" dirty="0" smtClean="0"/>
+              <a:t>アプリケーション構成</a:t>
+            </a:r>
+            <a:endParaRPr kumimoji="1" lang="ja-JP" altLang="en-US" dirty="0"/>
+          </a:p>
+        </p:txBody>
+      </p:sp>
+    </p:spTree>
+    <p:extLst>
+      <p:ext uri="{BB962C8B-B14F-4D97-AF65-F5344CB8AC3E}">
+        <p14:creationId xmlns:p14="http://schemas.microsoft.com/office/powerpoint/2010/main" val="2279088610"/>
       </p:ext>
     </p:extLst>
   </p:cSld>

--- a/Webアプリケーション構成.pptx
+++ b/Webアプリケーション構成.pptx
@@ -197,7 +197,8 @@
           <a:p>
             <a:fld id="{5E446893-8822-4FA2-A2B8-91473AE42B8F}" type="datetimeFigureOut">
               <a:rPr kumimoji="1" lang="ja-JP" altLang="en-US" smtClean="0"/>
-              <a:t>2016/6/20</a:t>
+              <a:pPr/>
+              <a:t>2016/6/29</a:t>
             </a:fld>
             <a:endParaRPr kumimoji="1" lang="ja-JP" altLang="en-US"/>
           </a:p>
@@ -388,7 +389,8 @@
           <a:p>
             <a:fld id="{36F5BD84-FD75-4342-8FF3-BFEC93E3B1A8}" type="slidenum">
               <a:rPr kumimoji="1" lang="ja-JP" altLang="en-US" smtClean="0"/>
-              <a:t>‹#›</a:t>
+              <a:pPr/>
+              <a:t>&lt;#&gt;</a:t>
             </a:fld>
             <a:endParaRPr kumimoji="1" lang="ja-JP" altLang="en-US"/>
           </a:p>
@@ -397,7 +399,7 @@
     </p:spTree>
     <p:extLst>
       <p:ext uri="{BB962C8B-B14F-4D97-AF65-F5344CB8AC3E}">
-        <p14:creationId xmlns:p14="http://schemas.microsoft.com/office/powerpoint/2010/main" val="193834423"/>
+        <p14:creationId xmlns:p14="http://schemas.microsoft.com/office/powerpoint/2010/main" xmlns="" val="193834423"/>
       </p:ext>
     </p:extLst>
   </p:cSld>
@@ -948,7 +950,7 @@
               </a:pathLst>
             </a:custGeom>
             <a:blipFill>
-              <a:blip r:embed="rId2">
+              <a:blip r:embed="rId2" cstate="print">
                 <a:alphaModFix amt="50000"/>
               </a:blip>
               <a:tile tx="0" ty="0" sx="50000" sy="50000" flip="none" algn="t"/>
@@ -1122,7 +1124,8 @@
           <a:p>
             <a:fld id="{950BD83A-35B7-42CA-89A5-E0C5F89E23EE}" type="datetime1">
               <a:rPr kumimoji="1" lang="ja-JP" altLang="en-US" smtClean="0"/>
-              <a:t>2016/6/20</a:t>
+              <a:pPr/>
+              <a:t>2016/6/29</a:t>
             </a:fld>
             <a:endParaRPr kumimoji="1" lang="ja-JP" altLang="en-US"/>
           </a:p>
@@ -1184,7 +1187,8 @@
           <a:p>
             <a:fld id="{8E5DB6CD-4B75-4B51-94FC-83DA607B11D5}" type="slidenum">
               <a:rPr kumimoji="1" lang="ja-JP" altLang="en-US" smtClean="0"/>
-              <a:t>‹#›</a:t>
+              <a:pPr/>
+              <a:t>&lt;#&gt;</a:t>
             </a:fld>
             <a:endParaRPr kumimoji="1" lang="ja-JP" altLang="en-US"/>
           </a:p>
@@ -1350,7 +1354,8 @@
           <a:p>
             <a:fld id="{862C5B0E-001B-4217-8BB9-635E5F210DE4}" type="datetime1">
               <a:rPr kumimoji="1" lang="ja-JP" altLang="en-US" smtClean="0"/>
-              <a:t>2016/6/20</a:t>
+              <a:pPr/>
+              <a:t>2016/6/29</a:t>
             </a:fld>
             <a:endParaRPr kumimoji="1" lang="ja-JP" altLang="en-US"/>
           </a:p>
@@ -1396,7 +1401,8 @@
           <a:p>
             <a:fld id="{8E5DB6CD-4B75-4B51-94FC-83DA607B11D5}" type="slidenum">
               <a:rPr kumimoji="1" lang="ja-JP" altLang="en-US" smtClean="0"/>
-              <a:t>‹#›</a:t>
+              <a:pPr/>
+              <a:t>&lt;#&gt;</a:t>
             </a:fld>
             <a:endParaRPr kumimoji="1" lang="ja-JP" altLang="en-US"/>
           </a:p>
@@ -1567,7 +1573,8 @@
           <a:p>
             <a:fld id="{DD75ADB5-9CF9-41E6-8213-3D6AE49BF022}" type="datetime1">
               <a:rPr kumimoji="1" lang="ja-JP" altLang="en-US" smtClean="0"/>
-              <a:t>2016/6/20</a:t>
+              <a:pPr/>
+              <a:t>2016/6/29</a:t>
             </a:fld>
             <a:endParaRPr kumimoji="1" lang="ja-JP" altLang="en-US"/>
           </a:p>
@@ -1613,7 +1620,8 @@
           <a:p>
             <a:fld id="{8E5DB6CD-4B75-4B51-94FC-83DA607B11D5}" type="slidenum">
               <a:rPr kumimoji="1" lang="ja-JP" altLang="en-US" smtClean="0"/>
-              <a:t>‹#›</a:t>
+              <a:pPr/>
+              <a:t>&lt;#&gt;</a:t>
             </a:fld>
             <a:endParaRPr kumimoji="1" lang="ja-JP" altLang="en-US"/>
           </a:p>
@@ -1749,7 +1757,8 @@
           <a:p>
             <a:fld id="{738060B5-E7A6-47D8-94B1-46A1CDA697DE}" type="datetime1">
               <a:rPr kumimoji="1" lang="ja-JP" altLang="en-US" smtClean="0"/>
-              <a:t>2016/6/20</a:t>
+              <a:pPr/>
+              <a:t>2016/6/29</a:t>
             </a:fld>
             <a:endParaRPr kumimoji="1" lang="ja-JP" altLang="en-US"/>
           </a:p>
@@ -1795,7 +1804,8 @@
           <a:p>
             <a:fld id="{8E5DB6CD-4B75-4B51-94FC-83DA607B11D5}" type="slidenum">
               <a:rPr kumimoji="1" lang="ja-JP" altLang="en-US" smtClean="0"/>
-              <a:t>‹#›</a:t>
+              <a:pPr/>
+              <a:t>&lt;#&gt;</a:t>
             </a:fld>
             <a:endParaRPr kumimoji="1" lang="ja-JP" altLang="en-US"/>
           </a:p>
@@ -2004,7 +2014,8 @@
           <a:p>
             <a:fld id="{4F2EFE2B-4E6B-4579-94A9-7B5FE5DD6DAD}" type="datetime1">
               <a:rPr kumimoji="1" lang="ja-JP" altLang="en-US" smtClean="0"/>
-              <a:t>2016/6/20</a:t>
+              <a:pPr/>
+              <a:t>2016/6/29</a:t>
             </a:fld>
             <a:endParaRPr kumimoji="1" lang="ja-JP" altLang="en-US"/>
           </a:p>
@@ -2050,7 +2061,8 @@
           <a:p>
             <a:fld id="{8E5DB6CD-4B75-4B51-94FC-83DA607B11D5}" type="slidenum">
               <a:rPr kumimoji="1" lang="ja-JP" altLang="en-US" smtClean="0"/>
-              <a:t>‹#›</a:t>
+              <a:pPr/>
+              <a:t>&lt;#&gt;</a:t>
             </a:fld>
             <a:endParaRPr kumimoji="1" lang="ja-JP" altLang="en-US"/>
           </a:p>
@@ -2477,7 +2489,8 @@
           <a:p>
             <a:fld id="{81EE79A5-7A8D-4F9A-9CD5-A2BB2871BD09}" type="datetime1">
               <a:rPr kumimoji="1" lang="ja-JP" altLang="en-US" smtClean="0"/>
-              <a:t>2016/6/20</a:t>
+              <a:pPr/>
+              <a:t>2016/6/29</a:t>
             </a:fld>
             <a:endParaRPr kumimoji="1" lang="ja-JP" altLang="en-US"/>
           </a:p>
@@ -2523,7 +2536,8 @@
           <a:p>
             <a:fld id="{8E5DB6CD-4B75-4B51-94FC-83DA607B11D5}" type="slidenum">
               <a:rPr kumimoji="1" lang="ja-JP" altLang="en-US" smtClean="0"/>
-              <a:t>‹#›</a:t>
+              <a:pPr/>
+              <a:t>&lt;#&gt;</a:t>
             </a:fld>
             <a:endParaRPr kumimoji="1" lang="ja-JP" altLang="en-US"/>
           </a:p>
@@ -2987,7 +3001,8 @@
           <a:p>
             <a:fld id="{72FC9A27-03C8-453D-9CB4-3D8E10128EF9}" type="datetime1">
               <a:rPr kumimoji="1" lang="ja-JP" altLang="en-US" smtClean="0"/>
-              <a:t>2016/6/20</a:t>
+              <a:pPr/>
+              <a:t>2016/6/29</a:t>
             </a:fld>
             <a:endParaRPr kumimoji="1" lang="ja-JP" altLang="en-US"/>
           </a:p>
@@ -3033,7 +3048,8 @@
           <a:p>
             <a:fld id="{8E5DB6CD-4B75-4B51-94FC-83DA607B11D5}" type="slidenum">
               <a:rPr kumimoji="1" lang="ja-JP" altLang="en-US" smtClean="0"/>
-              <a:t>‹#›</a:t>
+              <a:pPr/>
+              <a:t>&lt;#&gt;</a:t>
             </a:fld>
             <a:endParaRPr kumimoji="1" lang="ja-JP" altLang="en-US"/>
           </a:p>
@@ -3088,7 +3104,8 @@
           <a:p>
             <a:fld id="{3F87B9CE-B1FD-4CB7-8483-CFED1DBB1D40}" type="datetime1">
               <a:rPr kumimoji="1" lang="ja-JP" altLang="en-US" smtClean="0"/>
-              <a:t>2016/6/20</a:t>
+              <a:pPr/>
+              <a:t>2016/6/29</a:t>
             </a:fld>
             <a:endParaRPr kumimoji="1" lang="ja-JP" altLang="en-US"/>
           </a:p>
@@ -3134,7 +3151,8 @@
           <a:p>
             <a:fld id="{8E5DB6CD-4B75-4B51-94FC-83DA607B11D5}" type="slidenum">
               <a:rPr kumimoji="1" lang="ja-JP" altLang="en-US" smtClean="0"/>
-              <a:t>‹#›</a:t>
+              <a:pPr/>
+              <a:t>&lt;#&gt;</a:t>
             </a:fld>
             <a:endParaRPr kumimoji="1" lang="ja-JP" altLang="en-US"/>
           </a:p>
@@ -3209,7 +3227,8 @@
           <a:p>
             <a:fld id="{576AD7DC-4358-463A-A9C8-3203D8C2E204}" type="datetime1">
               <a:rPr kumimoji="1" lang="ja-JP" altLang="en-US" smtClean="0"/>
-              <a:t>2016/6/20</a:t>
+              <a:pPr/>
+              <a:t>2016/6/29</a:t>
             </a:fld>
             <a:endParaRPr kumimoji="1" lang="ja-JP" altLang="en-US"/>
           </a:p>
@@ -3255,7 +3274,8 @@
           <a:p>
             <a:fld id="{8E5DB6CD-4B75-4B51-94FC-83DA607B11D5}" type="slidenum">
               <a:rPr kumimoji="1" lang="ja-JP" altLang="en-US" smtClean="0"/>
-              <a:t>‹#›</a:t>
+              <a:pPr/>
+              <a:t>&lt;#&gt;</a:t>
             </a:fld>
             <a:endParaRPr kumimoji="1" lang="ja-JP" altLang="en-US"/>
           </a:p>
@@ -3515,7 +3535,8 @@
           <a:p>
             <a:fld id="{6AAC8798-03BD-44DD-A79B-5936AE5684BB}" type="datetime1">
               <a:rPr kumimoji="1" lang="ja-JP" altLang="en-US" smtClean="0"/>
-              <a:t>2016/6/20</a:t>
+              <a:pPr/>
+              <a:t>2016/6/29</a:t>
             </a:fld>
             <a:endParaRPr kumimoji="1" lang="ja-JP" altLang="en-US"/>
           </a:p>
@@ -3561,7 +3582,8 @@
           <a:p>
             <a:fld id="{8E5DB6CD-4B75-4B51-94FC-83DA607B11D5}" type="slidenum">
               <a:rPr kumimoji="1" lang="ja-JP" altLang="en-US" smtClean="0"/>
-              <a:t>‹#›</a:t>
+              <a:pPr/>
+              <a:t>&lt;#&gt;</a:t>
             </a:fld>
             <a:endParaRPr kumimoji="1" lang="ja-JP" altLang="en-US"/>
           </a:p>
@@ -3720,7 +3742,8 @@
           <a:p>
             <a:fld id="{46B087EE-5E25-4766-8E24-F7D841D6A0E4}" type="datetime1">
               <a:rPr kumimoji="1" lang="ja-JP" altLang="en-US" smtClean="0"/>
-              <a:t>2016/6/20</a:t>
+              <a:pPr/>
+              <a:t>2016/6/29</a:t>
             </a:fld>
             <a:endParaRPr kumimoji="1" lang="ja-JP" altLang="en-US"/>
           </a:p>
@@ -3785,7 +3808,8 @@
           <a:p>
             <a:fld id="{8E5DB6CD-4B75-4B51-94FC-83DA607B11D5}" type="slidenum">
               <a:rPr kumimoji="1" lang="ja-JP" altLang="en-US" smtClean="0"/>
-              <a:t>‹#›</a:t>
+              <a:pPr/>
+              <a:t>&lt;#&gt;</a:t>
             </a:fld>
             <a:endParaRPr kumimoji="1" lang="ja-JP" altLang="en-US"/>
           </a:p>
@@ -4022,7 +4046,7 @@
             <a:avLst/>
           </a:prstGeom>
           <a:blipFill>
-            <a:blip r:embed="rId2">
+            <a:blip r:embed="rId2" cstate="print">
               <a:alphaModFix amt="50000"/>
             </a:blip>
             <a:tile tx="0" ty="0" sx="50000" sy="50000" flip="none" algn="t"/>
@@ -4542,7 +4566,7 @@
             <a:avLst/>
           </a:prstGeom>
           <a:blipFill>
-            <a:blip r:embed="rId13">
+            <a:blip r:embed="rId13" cstate="print">
               <a:alphaModFix amt="50000"/>
             </a:blip>
             <a:tile tx="0" ty="0" sx="50000" sy="50000" flip="none" algn="t"/>
@@ -4861,7 +4885,8 @@
           <a:p>
             <a:fld id="{BFC4DFBA-F188-430A-B10F-E6DE8D9ABF69}" type="datetime1">
               <a:rPr kumimoji="1" lang="ja-JP" altLang="en-US" smtClean="0"/>
-              <a:t>2016/6/20</a:t>
+              <a:pPr/>
+              <a:t>2016/6/29</a:t>
             </a:fld>
             <a:endParaRPr kumimoji="1" lang="ja-JP" altLang="en-US"/>
           </a:p>
@@ -4937,7 +4962,8 @@
           <a:p>
             <a:fld id="{8E5DB6CD-4B75-4B51-94FC-83DA607B11D5}" type="slidenum">
               <a:rPr kumimoji="1" lang="ja-JP" altLang="en-US" smtClean="0"/>
-              <a:t>‹#›</a:t>
+              <a:pPr/>
+              <a:t>&lt;#&gt;</a:t>
             </a:fld>
             <a:endParaRPr kumimoji="1" lang="ja-JP" altLang="en-US"/>
           </a:p>
@@ -5322,7 +5348,7 @@
     </p:spTree>
     <p:extLst>
       <p:ext uri="{BB962C8B-B14F-4D97-AF65-F5344CB8AC3E}">
-        <p14:creationId xmlns:p14="http://schemas.microsoft.com/office/powerpoint/2010/main" val="1693658790"/>
+        <p14:creationId xmlns:p14="http://schemas.microsoft.com/office/powerpoint/2010/main" xmlns="" val="1693658790"/>
       </p:ext>
     </p:extLst>
   </p:cSld>
@@ -5474,7 +5500,6 @@
               <a:rPr lang="en-US" altLang="ja-JP" dirty="0" smtClean="0"/>
               <a:t> or Oracle</a:t>
             </a:r>
-            <a:endParaRPr lang="en-US" altLang="ja-JP" dirty="0" smtClean="0"/>
           </a:p>
         </p:txBody>
       </p:sp>
@@ -5495,6 +5520,7 @@
           <a:p>
             <a:fld id="{8E5DB6CD-4B75-4B51-94FC-83DA607B11D5}" type="slidenum">
               <a:rPr kumimoji="1" lang="ja-JP" altLang="en-US" smtClean="0"/>
+              <a:pPr/>
               <a:t>2</a:t>
             </a:fld>
             <a:endParaRPr kumimoji="1" lang="ja-JP" altLang="en-US"/>
@@ -5531,7 +5557,7 @@
     </p:spTree>
     <p:extLst>
       <p:ext uri="{BB962C8B-B14F-4D97-AF65-F5344CB8AC3E}">
-        <p14:creationId xmlns:p14="http://schemas.microsoft.com/office/powerpoint/2010/main" val="3986369672"/>
+        <p14:creationId xmlns:p14="http://schemas.microsoft.com/office/powerpoint/2010/main" xmlns="" val="3986369672"/>
       </p:ext>
     </p:extLst>
   </p:cSld>
@@ -5627,7 +5653,19 @@
             </a:r>
             <a:r>
               <a:rPr lang="en-US" altLang="ja-JP" dirty="0" smtClean="0"/>
-              <a:t>Framework(Spring Boot)</a:t>
+              <a:t>Framework</a:t>
+            </a:r>
+            <a:r>
+              <a:rPr lang="ja-JP" altLang="en-US" dirty="0" smtClean="0"/>
+              <a:t>（</a:t>
+            </a:r>
+            <a:r>
+              <a:rPr lang="en-US" altLang="ja-JP" dirty="0" smtClean="0"/>
+              <a:t>Spring Boot</a:t>
+            </a:r>
+            <a:r>
+              <a:rPr lang="ja-JP" altLang="en-US" dirty="0" smtClean="0"/>
+              <a:t>）</a:t>
             </a:r>
             <a:endParaRPr lang="en-US" altLang="ja-JP" dirty="0" smtClean="0"/>
           </a:p>
@@ -5647,17 +5685,55 @@
             <a:pPr lvl="3"/>
             <a:r>
               <a:rPr lang="en-US" altLang="ja-JP" dirty="0" smtClean="0"/>
-              <a:t>Doma2 </a:t>
-            </a:r>
-            <a:r>
-              <a:rPr lang="en-US" altLang="ja-JP" dirty="0"/>
+              <a:t>Doma2</a:t>
+            </a:r>
+            <a:r>
+              <a:rPr lang="en-US" altLang="ja-JP" dirty="0" smtClean="0">
+                <a:solidFill>
+                  <a:schemeClr val="bg1">
+                    <a:lumMod val="85000"/>
+                  </a:schemeClr>
+                </a:solidFill>
+              </a:rPr>
+              <a:t> </a:t>
+            </a:r>
+            <a:r>
+              <a:rPr lang="en-US" altLang="ja-JP" dirty="0">
+                <a:solidFill>
+                  <a:schemeClr val="bg1">
+                    <a:lumMod val="85000"/>
+                  </a:schemeClr>
+                </a:solidFill>
+              </a:rPr>
               <a:t>or </a:t>
             </a:r>
             <a:r>
-              <a:rPr lang="en-US" altLang="ja-JP" dirty="0" err="1" smtClean="0"/>
+              <a:rPr lang="en-US" altLang="ja-JP" dirty="0" err="1" smtClean="0">
+                <a:solidFill>
+                  <a:schemeClr val="bg1">
+                    <a:lumMod val="85000"/>
+                  </a:schemeClr>
+                </a:solidFill>
+              </a:rPr>
               <a:t>MyBatis</a:t>
             </a:r>
-            <a:endParaRPr lang="en-US" altLang="ja-JP" dirty="0"/>
+            <a:r>
+              <a:rPr lang="en-US" altLang="ja-JP" dirty="0" smtClean="0">
+                <a:solidFill>
+                  <a:schemeClr val="bg1">
+                    <a:lumMod val="85000"/>
+                  </a:schemeClr>
+                </a:solidFill>
+              </a:rPr>
+              <a:t> or JPA</a:t>
+            </a:r>
+            <a:endParaRPr lang="en-US" altLang="ja-JP" dirty="0">
+              <a:solidFill>
+                <a:schemeClr val="bg1">
+                  <a:lumMod val="85000"/>
+                </a:schemeClr>
+              </a:solidFill>
+            </a:endParaRPr>
           </a:p>
         </p:txBody>
       </p:sp>
@@ -5678,6 +5754,7 @@
           <a:p>
             <a:fld id="{8E5DB6CD-4B75-4B51-94FC-83DA607B11D5}" type="slidenum">
               <a:rPr kumimoji="1" lang="ja-JP" altLang="en-US" smtClean="0"/>
+              <a:pPr/>
               <a:t>3</a:t>
             </a:fld>
             <a:endParaRPr kumimoji="1" lang="ja-JP" altLang="en-US"/>
@@ -5714,7 +5791,7 @@
     </p:spTree>
     <p:extLst>
       <p:ext uri="{BB962C8B-B14F-4D97-AF65-F5344CB8AC3E}">
-        <p14:creationId xmlns:p14="http://schemas.microsoft.com/office/powerpoint/2010/main" val="1312116683"/>
+        <p14:creationId xmlns:p14="http://schemas.microsoft.com/office/powerpoint/2010/main" xmlns="" val="1312116683"/>
       </p:ext>
     </p:extLst>
   </p:cSld>
@@ -5853,14 +5930,25 @@
               <a:t>Thymeleaf</a:t>
             </a:r>
             <a:r>
-              <a:rPr lang="en-US" altLang="ja-JP" dirty="0"/>
+              <a:rPr lang="en-US" altLang="ja-JP" dirty="0">
+                <a:solidFill>
+                  <a:schemeClr val="bg1">
+                    <a:lumMod val="85000"/>
+                  </a:schemeClr>
+                </a:solidFill>
+              </a:rPr>
               <a:t> or </a:t>
             </a:r>
             <a:r>
-              <a:rPr lang="en-US" altLang="ja-JP" dirty="0" smtClean="0"/>
+              <a:rPr lang="en-US" altLang="ja-JP" dirty="0" smtClean="0">
+                <a:solidFill>
+                  <a:schemeClr val="bg1">
+                    <a:lumMod val="85000"/>
+                  </a:schemeClr>
+                </a:solidFill>
+              </a:rPr>
               <a:t>JSP</a:t>
             </a:r>
-            <a:endParaRPr lang="en-US" altLang="ja-JP" dirty="0" smtClean="0"/>
           </a:p>
         </p:txBody>
       </p:sp>
@@ -5881,6 +5969,7 @@
           <a:p>
             <a:fld id="{8E5DB6CD-4B75-4B51-94FC-83DA607B11D5}" type="slidenum">
               <a:rPr kumimoji="1" lang="ja-JP" altLang="en-US" smtClean="0"/>
+              <a:pPr/>
               <a:t>4</a:t>
             </a:fld>
             <a:endParaRPr kumimoji="1" lang="ja-JP" altLang="en-US"/>
@@ -5917,7 +6006,7 @@
     </p:spTree>
     <p:extLst>
       <p:ext uri="{BB962C8B-B14F-4D97-AF65-F5344CB8AC3E}">
-        <p14:creationId xmlns:p14="http://schemas.microsoft.com/office/powerpoint/2010/main" val="4242575136"/>
+        <p14:creationId xmlns:p14="http://schemas.microsoft.com/office/powerpoint/2010/main" xmlns="" val="4242575136"/>
       </p:ext>
     </p:extLst>
   </p:cSld>
@@ -5992,7 +6081,6 @@
               <a:rPr lang="en-US" altLang="ja-JP" dirty="0" smtClean="0"/>
               <a:t>Selenium</a:t>
             </a:r>
-            <a:endParaRPr lang="en-US" altLang="ja-JP" dirty="0" smtClean="0"/>
           </a:p>
           <a:p>
             <a:pPr lvl="1"/>
@@ -6075,6 +6163,7 @@
           <a:p>
             <a:fld id="{8E5DB6CD-4B75-4B51-94FC-83DA607B11D5}" type="slidenum">
               <a:rPr kumimoji="1" lang="ja-JP" altLang="en-US" smtClean="0"/>
+              <a:pPr/>
               <a:t>5</a:t>
             </a:fld>
             <a:endParaRPr kumimoji="1" lang="ja-JP" altLang="en-US"/>
@@ -6111,7 +6200,7 @@
     </p:spTree>
     <p:extLst>
       <p:ext uri="{BB962C8B-B14F-4D97-AF65-F5344CB8AC3E}">
-        <p14:creationId xmlns:p14="http://schemas.microsoft.com/office/powerpoint/2010/main" val="4253387877"/>
+        <p14:creationId xmlns:p14="http://schemas.microsoft.com/office/powerpoint/2010/main" xmlns="" val="4253387877"/>
       </p:ext>
     </p:extLst>
   </p:cSld>
@@ -6250,6 +6339,7 @@
           <a:p>
             <a:fld id="{8E5DB6CD-4B75-4B51-94FC-83DA607B11D5}" type="slidenum">
               <a:rPr kumimoji="1" lang="ja-JP" altLang="en-US" smtClean="0"/>
+              <a:pPr/>
               <a:t>6</a:t>
             </a:fld>
             <a:endParaRPr kumimoji="1" lang="ja-JP" altLang="en-US"/>
@@ -6286,7 +6376,7 @@
     </p:spTree>
     <p:extLst>
       <p:ext uri="{BB962C8B-B14F-4D97-AF65-F5344CB8AC3E}">
-        <p14:creationId xmlns:p14="http://schemas.microsoft.com/office/powerpoint/2010/main" val="2279088610"/>
+        <p14:creationId xmlns:p14="http://schemas.microsoft.com/office/powerpoint/2010/main" xmlns="" val="2279088610"/>
       </p:ext>
     </p:extLst>
   </p:cSld>
